--- a/oreilly-sa-2018/img/vacuum-landscape.pptx
+++ b/oreilly-sa-2018/img/vacuum-landscape.pptx
@@ -104,6 +104,11 @@
       </a:defRPr>
     </a:lvl9pPr>
   </p:defaultTextStyle>
+  <p:extLst>
+    <p:ext uri="{EFAFB233-063F-42B5-8137-9DF3F51BA10A}">
+      <p15:sldGuideLst xmlns:p15="http://schemas.microsoft.com/office/powerpoint/2012/main"/>
+    </p:ext>
+  </p:extLst>
 </p:presentation>
 </file>
 
@@ -254,7 +259,7 @@
           <a:p>
             <a:fld id="{0F2154D5-6544-1F4C-B2C7-E032A664327A}" type="datetimeFigureOut">
               <a:rPr lang="en-US" smtClean="0"/>
-              <a:t>9/24/18</a:t>
+              <a:t>10/22/18</a:t>
             </a:fld>
             <a:endParaRPr lang="en-US"/>
           </a:p>
@@ -452,7 +457,7 @@
           <a:p>
             <a:fld id="{0F2154D5-6544-1F4C-B2C7-E032A664327A}" type="datetimeFigureOut">
               <a:rPr lang="en-US" smtClean="0"/>
-              <a:t>9/24/18</a:t>
+              <a:t>10/22/18</a:t>
             </a:fld>
             <a:endParaRPr lang="en-US"/>
           </a:p>
@@ -660,7 +665,7 @@
           <a:p>
             <a:fld id="{0F2154D5-6544-1F4C-B2C7-E032A664327A}" type="datetimeFigureOut">
               <a:rPr lang="en-US" smtClean="0"/>
-              <a:t>9/24/18</a:t>
+              <a:t>10/22/18</a:t>
             </a:fld>
             <a:endParaRPr lang="en-US"/>
           </a:p>
@@ -858,7 +863,7 @@
           <a:p>
             <a:fld id="{0F2154D5-6544-1F4C-B2C7-E032A664327A}" type="datetimeFigureOut">
               <a:rPr lang="en-US" smtClean="0"/>
-              <a:t>9/24/18</a:t>
+              <a:t>10/22/18</a:t>
             </a:fld>
             <a:endParaRPr lang="en-US"/>
           </a:p>
@@ -1133,7 +1138,7 @@
           <a:p>
             <a:fld id="{0F2154D5-6544-1F4C-B2C7-E032A664327A}" type="datetimeFigureOut">
               <a:rPr lang="en-US" smtClean="0"/>
-              <a:t>9/24/18</a:t>
+              <a:t>10/22/18</a:t>
             </a:fld>
             <a:endParaRPr lang="en-US"/>
           </a:p>
@@ -1398,7 +1403,7 @@
           <a:p>
             <a:fld id="{0F2154D5-6544-1F4C-B2C7-E032A664327A}" type="datetimeFigureOut">
               <a:rPr lang="en-US" smtClean="0"/>
-              <a:t>9/24/18</a:t>
+              <a:t>10/22/18</a:t>
             </a:fld>
             <a:endParaRPr lang="en-US"/>
           </a:p>
@@ -1810,7 +1815,7 @@
           <a:p>
             <a:fld id="{0F2154D5-6544-1F4C-B2C7-E032A664327A}" type="datetimeFigureOut">
               <a:rPr lang="en-US" smtClean="0"/>
-              <a:t>9/24/18</a:t>
+              <a:t>10/22/18</a:t>
             </a:fld>
             <a:endParaRPr lang="en-US"/>
           </a:p>
@@ -1951,7 +1956,7 @@
           <a:p>
             <a:fld id="{0F2154D5-6544-1F4C-B2C7-E032A664327A}" type="datetimeFigureOut">
               <a:rPr lang="en-US" smtClean="0"/>
-              <a:t>9/24/18</a:t>
+              <a:t>10/22/18</a:t>
             </a:fld>
             <a:endParaRPr lang="en-US"/>
           </a:p>
@@ -2064,7 +2069,7 @@
           <a:p>
             <a:fld id="{0F2154D5-6544-1F4C-B2C7-E032A664327A}" type="datetimeFigureOut">
               <a:rPr lang="en-US" smtClean="0"/>
-              <a:t>9/24/18</a:t>
+              <a:t>10/22/18</a:t>
             </a:fld>
             <a:endParaRPr lang="en-US"/>
           </a:p>
@@ -2375,7 +2380,7 @@
           <a:p>
             <a:fld id="{0F2154D5-6544-1F4C-B2C7-E032A664327A}" type="datetimeFigureOut">
               <a:rPr lang="en-US" smtClean="0"/>
-              <a:t>9/24/18</a:t>
+              <a:t>10/22/18</a:t>
             </a:fld>
             <a:endParaRPr lang="en-US"/>
           </a:p>
@@ -2663,7 +2668,7 @@
           <a:p>
             <a:fld id="{0F2154D5-6544-1F4C-B2C7-E032A664327A}" type="datetimeFigureOut">
               <a:rPr lang="en-US" smtClean="0"/>
-              <a:t>9/24/18</a:t>
+              <a:t>10/22/18</a:t>
             </a:fld>
             <a:endParaRPr lang="en-US"/>
           </a:p>
@@ -2904,7 +2909,7 @@
           <a:p>
             <a:fld id="{0F2154D5-6544-1F4C-B2C7-E032A664327A}" type="datetimeFigureOut">
               <a:rPr lang="en-US" smtClean="0"/>
-              <a:t>9/24/18</a:t>
+              <a:t>10/22/18</a:t>
             </a:fld>
             <a:endParaRPr lang="en-US"/>
           </a:p>
@@ -3323,10 +3328,10 @@
       </p:grpSpPr>
       <p:pic>
         <p:nvPicPr>
-          <p:cNvPr id="34" name="Picture 33">
-            <a:extLst>
-              <a:ext uri="{FF2B5EF4-FFF2-40B4-BE49-F238E27FC236}">
-                <a16:creationId xmlns:a16="http://schemas.microsoft.com/office/drawing/2014/main" id="{18E77C61-AF66-B742-A62F-E4DFA2BD1FCF}"/>
+          <p:cNvPr id="56" name="Picture 55">
+            <a:extLst>
+              <a:ext uri="{FF2B5EF4-FFF2-40B4-BE49-F238E27FC236}">
+                <a16:creationId xmlns:a16="http://schemas.microsoft.com/office/drawing/2014/main" id="{C1B4103E-5129-FC4D-9C9A-73F2D366B95A}"/>
               </a:ext>
             </a:extLst>
           </p:cNvPr>
@@ -3343,8 +3348,8 @@
         </p:blipFill>
         <p:spPr>
           <a:xfrm>
-            <a:off x="3920831" y="4212947"/>
-            <a:ext cx="1727200" cy="1727200"/>
+            <a:off x="8471377" y="1943345"/>
+            <a:ext cx="1422400" cy="1422400"/>
           </a:xfrm>
           <a:prstGeom prst="rect">
             <a:avLst/>
@@ -3353,10 +3358,10 @@
       </p:pic>
       <p:pic>
         <p:nvPicPr>
-          <p:cNvPr id="40" name="Picture 39">
-            <a:extLst>
-              <a:ext uri="{FF2B5EF4-FFF2-40B4-BE49-F238E27FC236}">
-                <a16:creationId xmlns:a16="http://schemas.microsoft.com/office/drawing/2014/main" id="{51CE0DE0-D532-9D4B-B70D-00CD48635035}"/>
+          <p:cNvPr id="34" name="Picture 33">
+            <a:extLst>
+              <a:ext uri="{FF2B5EF4-FFF2-40B4-BE49-F238E27FC236}">
+                <a16:creationId xmlns:a16="http://schemas.microsoft.com/office/drawing/2014/main" id="{18E77C61-AF66-B742-A62F-E4DFA2BD1FCF}"/>
               </a:ext>
             </a:extLst>
           </p:cNvPr>
@@ -3373,7 +3378,37 @@
         </p:blipFill>
         <p:spPr>
           <a:xfrm>
-            <a:off x="2973423" y="1187071"/>
+            <a:off x="3759603" y="4236693"/>
+            <a:ext cx="1727200" cy="1727200"/>
+          </a:xfrm>
+          <a:prstGeom prst="rect">
+            <a:avLst/>
+          </a:prstGeom>
+        </p:spPr>
+      </p:pic>
+      <p:pic>
+        <p:nvPicPr>
+          <p:cNvPr id="40" name="Picture 39">
+            <a:extLst>
+              <a:ext uri="{FF2B5EF4-FFF2-40B4-BE49-F238E27FC236}">
+                <a16:creationId xmlns:a16="http://schemas.microsoft.com/office/drawing/2014/main" id="{51CE0DE0-D532-9D4B-B70D-00CD48635035}"/>
+              </a:ext>
+            </a:extLst>
+          </p:cNvPr>
+          <p:cNvPicPr>
+            <a:picLocks noChangeAspect="1"/>
+          </p:cNvPicPr>
+          <p:nvPr/>
+        </p:nvPicPr>
+        <p:blipFill>
+          <a:blip r:embed="rId4"/>
+          <a:stretch>
+            <a:fillRect/>
+          </a:stretch>
+        </p:blipFill>
+        <p:spPr>
+          <a:xfrm>
+            <a:off x="3302684" y="883961"/>
             <a:ext cx="1422400" cy="1422400"/>
           </a:xfrm>
           <a:prstGeom prst="rect">
@@ -3387,6 +3422,156 @@
             <a:extLst>
               <a:ext uri="{FF2B5EF4-FFF2-40B4-BE49-F238E27FC236}">
                 <a16:creationId xmlns:a16="http://schemas.microsoft.com/office/drawing/2014/main" id="{6BCB9BA7-0B3A-B442-A4A6-5286BD49EB14}"/>
+              </a:ext>
+            </a:extLst>
+          </p:cNvPr>
+          <p:cNvPicPr>
+            <a:picLocks noChangeAspect="1"/>
+          </p:cNvPicPr>
+          <p:nvPr/>
+        </p:nvPicPr>
+        <p:blipFill>
+          <a:blip r:embed="rId3"/>
+          <a:stretch>
+            <a:fillRect/>
+          </a:stretch>
+        </p:blipFill>
+        <p:spPr>
+          <a:xfrm>
+            <a:off x="5285736" y="2221120"/>
+            <a:ext cx="1727200" cy="1727200"/>
+          </a:xfrm>
+          <a:prstGeom prst="rect">
+            <a:avLst/>
+          </a:prstGeom>
+        </p:spPr>
+      </p:pic>
+      <p:pic>
+        <p:nvPicPr>
+          <p:cNvPr id="7" name="Picture 6">
+            <a:extLst>
+              <a:ext uri="{FF2B5EF4-FFF2-40B4-BE49-F238E27FC236}">
+                <a16:creationId xmlns:a16="http://schemas.microsoft.com/office/drawing/2014/main" id="{CDC4A5D2-44C5-7941-A810-81F6DE69E50D}"/>
+              </a:ext>
+            </a:extLst>
+          </p:cNvPr>
+          <p:cNvPicPr>
+            <a:picLocks noChangeAspect="1"/>
+          </p:cNvPicPr>
+          <p:nvPr/>
+        </p:nvPicPr>
+        <p:blipFill>
+          <a:blip r:embed="rId5"/>
+          <a:stretch>
+            <a:fillRect/>
+          </a:stretch>
+        </p:blipFill>
+        <p:spPr>
+          <a:xfrm>
+            <a:off x="2636356" y="3267627"/>
+            <a:ext cx="1727200" cy="1727200"/>
+          </a:xfrm>
+          <a:prstGeom prst="rect">
+            <a:avLst/>
+          </a:prstGeom>
+        </p:spPr>
+      </p:pic>
+      <p:pic>
+        <p:nvPicPr>
+          <p:cNvPr id="9" name="Picture 8">
+            <a:extLst>
+              <a:ext uri="{FF2B5EF4-FFF2-40B4-BE49-F238E27FC236}">
+                <a16:creationId xmlns:a16="http://schemas.microsoft.com/office/drawing/2014/main" id="{C79A805E-A6AC-424B-93C9-59FEF4E57E37}"/>
+              </a:ext>
+            </a:extLst>
+          </p:cNvPr>
+          <p:cNvPicPr>
+            <a:picLocks noChangeAspect="1"/>
+          </p:cNvPicPr>
+          <p:nvPr/>
+        </p:nvPicPr>
+        <p:blipFill>
+          <a:blip r:embed="rId6"/>
+          <a:stretch>
+            <a:fillRect/>
+          </a:stretch>
+        </p:blipFill>
+        <p:spPr>
+          <a:xfrm>
+            <a:off x="3565114" y="3401942"/>
+            <a:ext cx="1727200" cy="1727200"/>
+          </a:xfrm>
+          <a:prstGeom prst="rect">
+            <a:avLst/>
+          </a:prstGeom>
+        </p:spPr>
+      </p:pic>
+      <p:pic>
+        <p:nvPicPr>
+          <p:cNvPr id="11" name="Picture 10">
+            <a:extLst>
+              <a:ext uri="{FF2B5EF4-FFF2-40B4-BE49-F238E27FC236}">
+                <a16:creationId xmlns:a16="http://schemas.microsoft.com/office/drawing/2014/main" id="{C0D1DAEA-BBD2-B04B-BAA7-8630B0EF1899}"/>
+              </a:ext>
+            </a:extLst>
+          </p:cNvPr>
+          <p:cNvPicPr>
+            <a:picLocks noChangeAspect="1"/>
+          </p:cNvPicPr>
+          <p:nvPr/>
+        </p:nvPicPr>
+        <p:blipFill>
+          <a:blip r:embed="rId7"/>
+          <a:stretch>
+            <a:fillRect/>
+          </a:stretch>
+        </p:blipFill>
+        <p:spPr>
+          <a:xfrm>
+            <a:off x="6723616" y="3266108"/>
+            <a:ext cx="1498600" cy="1358900"/>
+          </a:xfrm>
+          <a:prstGeom prst="rect">
+            <a:avLst/>
+          </a:prstGeom>
+        </p:spPr>
+      </p:pic>
+      <p:pic>
+        <p:nvPicPr>
+          <p:cNvPr id="13" name="Picture 12">
+            <a:extLst>
+              <a:ext uri="{FF2B5EF4-FFF2-40B4-BE49-F238E27FC236}">
+                <a16:creationId xmlns:a16="http://schemas.microsoft.com/office/drawing/2014/main" id="{DD0C170B-9859-F54A-B08D-8355FB471D3D}"/>
+              </a:ext>
+            </a:extLst>
+          </p:cNvPr>
+          <p:cNvPicPr>
+            <a:picLocks noChangeAspect="1"/>
+          </p:cNvPicPr>
+          <p:nvPr/>
+        </p:nvPicPr>
+        <p:blipFill>
+          <a:blip r:embed="rId8"/>
+          <a:stretch>
+            <a:fillRect/>
+          </a:stretch>
+        </p:blipFill>
+        <p:spPr>
+          <a:xfrm>
+            <a:off x="4668356" y="3737112"/>
+            <a:ext cx="1422400" cy="1422400"/>
+          </a:xfrm>
+          <a:prstGeom prst="rect">
+            <a:avLst/>
+          </a:prstGeom>
+        </p:spPr>
+      </p:pic>
+      <p:pic>
+        <p:nvPicPr>
+          <p:cNvPr id="15" name="Picture 14">
+            <a:extLst>
+              <a:ext uri="{FF2B5EF4-FFF2-40B4-BE49-F238E27FC236}">
+                <a16:creationId xmlns:a16="http://schemas.microsoft.com/office/drawing/2014/main" id="{C38B67A1-C7D8-244F-B474-1B24E0FDF746}"/>
               </a:ext>
             </a:extLst>
           </p:cNvPr>
@@ -3403,8 +3588,8 @@
         </p:blipFill>
         <p:spPr>
           <a:xfrm>
-            <a:off x="5285736" y="2221120"/>
-            <a:ext cx="1727200" cy="1727200"/>
+            <a:off x="6510821" y="2221120"/>
+            <a:ext cx="1422400" cy="1422400"/>
           </a:xfrm>
           <a:prstGeom prst="rect">
             <a:avLst/>
@@ -3413,10 +3598,10 @@
       </p:pic>
       <p:pic>
         <p:nvPicPr>
-          <p:cNvPr id="7" name="Picture 6">
-            <a:extLst>
-              <a:ext uri="{FF2B5EF4-FFF2-40B4-BE49-F238E27FC236}">
-                <a16:creationId xmlns:a16="http://schemas.microsoft.com/office/drawing/2014/main" id="{CDC4A5D2-44C5-7941-A810-81F6DE69E50D}"/>
+          <p:cNvPr id="17" name="Picture 16">
+            <a:extLst>
+              <a:ext uri="{FF2B5EF4-FFF2-40B4-BE49-F238E27FC236}">
+                <a16:creationId xmlns:a16="http://schemas.microsoft.com/office/drawing/2014/main" id="{9E4DC1CC-F786-954B-9310-BAB7AB5DDE01}"/>
               </a:ext>
             </a:extLst>
           </p:cNvPr>
@@ -3433,8 +3618,8 @@
         </p:blipFill>
         <p:spPr>
           <a:xfrm>
-            <a:off x="2636356" y="3267627"/>
-            <a:ext cx="1727200" cy="1727200"/>
+            <a:off x="5718003" y="3912152"/>
+            <a:ext cx="1422400" cy="1422400"/>
           </a:xfrm>
           <a:prstGeom prst="rect">
             <a:avLst/>
@@ -3443,10 +3628,250 @@
       </p:pic>
       <p:pic>
         <p:nvPicPr>
-          <p:cNvPr id="9" name="Picture 8">
-            <a:extLst>
-              <a:ext uri="{FF2B5EF4-FFF2-40B4-BE49-F238E27FC236}">
-                <a16:creationId xmlns:a16="http://schemas.microsoft.com/office/drawing/2014/main" id="{C79A805E-A6AC-424B-93C9-59FEF4E57E37}"/>
+          <p:cNvPr id="19" name="Picture 18">
+            <a:extLst>
+              <a:ext uri="{FF2B5EF4-FFF2-40B4-BE49-F238E27FC236}">
+                <a16:creationId xmlns:a16="http://schemas.microsoft.com/office/drawing/2014/main" id="{9E9CEFB8-F3B0-9146-A7E1-F47AC46B7F56}"/>
+              </a:ext>
+            </a:extLst>
+          </p:cNvPr>
+          <p:cNvPicPr>
+            <a:picLocks noChangeAspect="1"/>
+          </p:cNvPicPr>
+          <p:nvPr/>
+        </p:nvPicPr>
+        <p:blipFill>
+          <a:blip r:embed="rId9"/>
+          <a:stretch>
+            <a:fillRect/>
+          </a:stretch>
+        </p:blipFill>
+        <p:spPr>
+          <a:xfrm>
+            <a:off x="4330528" y="3089275"/>
+            <a:ext cx="1422400" cy="1422400"/>
+          </a:xfrm>
+          <a:prstGeom prst="rect">
+            <a:avLst/>
+          </a:prstGeom>
+        </p:spPr>
+      </p:pic>
+      <p:pic>
+        <p:nvPicPr>
+          <p:cNvPr id="21" name="Picture 20">
+            <a:extLst>
+              <a:ext uri="{FF2B5EF4-FFF2-40B4-BE49-F238E27FC236}">
+                <a16:creationId xmlns:a16="http://schemas.microsoft.com/office/drawing/2014/main" id="{B4FDC0AA-2A6D-2040-9D5C-10454FF2E08B}"/>
+              </a:ext>
+            </a:extLst>
+          </p:cNvPr>
+          <p:cNvPicPr>
+            <a:picLocks noChangeAspect="1"/>
+          </p:cNvPicPr>
+          <p:nvPr/>
+        </p:nvPicPr>
+        <p:blipFill>
+          <a:blip r:embed="rId10"/>
+          <a:stretch>
+            <a:fillRect/>
+          </a:stretch>
+        </p:blipFill>
+        <p:spPr>
+          <a:xfrm>
+            <a:off x="6385788" y="3977031"/>
+            <a:ext cx="1422400" cy="1422400"/>
+          </a:xfrm>
+          <a:prstGeom prst="rect">
+            <a:avLst/>
+          </a:prstGeom>
+        </p:spPr>
+      </p:pic>
+      <p:pic>
+        <p:nvPicPr>
+          <p:cNvPr id="23" name="Picture 22">
+            <a:extLst>
+              <a:ext uri="{FF2B5EF4-FFF2-40B4-BE49-F238E27FC236}">
+                <a16:creationId xmlns:a16="http://schemas.microsoft.com/office/drawing/2014/main" id="{9702F764-5DFC-A942-BC93-FB6C23F79808}"/>
+              </a:ext>
+            </a:extLst>
+          </p:cNvPr>
+          <p:cNvPicPr>
+            <a:picLocks noChangeAspect="1"/>
+          </p:cNvPicPr>
+          <p:nvPr/>
+        </p:nvPicPr>
+        <p:blipFill>
+          <a:blip r:embed="rId11"/>
+          <a:stretch>
+            <a:fillRect/>
+          </a:stretch>
+        </p:blipFill>
+        <p:spPr>
+          <a:xfrm>
+            <a:off x="4011061" y="2349500"/>
+            <a:ext cx="1866900" cy="1079500"/>
+          </a:xfrm>
+          <a:prstGeom prst="rect">
+            <a:avLst/>
+          </a:prstGeom>
+        </p:spPr>
+      </p:pic>
+      <p:pic>
+        <p:nvPicPr>
+          <p:cNvPr id="25" name="Picture 24">
+            <a:extLst>
+              <a:ext uri="{FF2B5EF4-FFF2-40B4-BE49-F238E27FC236}">
+                <a16:creationId xmlns:a16="http://schemas.microsoft.com/office/drawing/2014/main" id="{490E84AD-15E1-F944-B15A-842DA74F8FE7}"/>
+              </a:ext>
+            </a:extLst>
+          </p:cNvPr>
+          <p:cNvPicPr>
+            <a:picLocks noChangeAspect="1"/>
+          </p:cNvPicPr>
+          <p:nvPr/>
+        </p:nvPicPr>
+        <p:blipFill>
+          <a:blip r:embed="rId12"/>
+          <a:stretch>
+            <a:fillRect/>
+          </a:stretch>
+        </p:blipFill>
+        <p:spPr>
+          <a:xfrm>
+            <a:off x="5193196" y="1009650"/>
+            <a:ext cx="1638300" cy="1231900"/>
+          </a:xfrm>
+          <a:prstGeom prst="rect">
+            <a:avLst/>
+          </a:prstGeom>
+        </p:spPr>
+      </p:pic>
+      <p:pic>
+        <p:nvPicPr>
+          <p:cNvPr id="27" name="Picture 26">
+            <a:extLst>
+              <a:ext uri="{FF2B5EF4-FFF2-40B4-BE49-F238E27FC236}">
+                <a16:creationId xmlns:a16="http://schemas.microsoft.com/office/drawing/2014/main" id="{A216AF53-6AAE-7547-BC8E-A45CE1CE9EB2}"/>
+              </a:ext>
+            </a:extLst>
+          </p:cNvPr>
+          <p:cNvPicPr>
+            <a:picLocks noChangeAspect="1"/>
+          </p:cNvPicPr>
+          <p:nvPr/>
+        </p:nvPicPr>
+        <p:blipFill>
+          <a:blip r:embed="rId13"/>
+          <a:stretch>
+            <a:fillRect/>
+          </a:stretch>
+        </p:blipFill>
+        <p:spPr>
+          <a:xfrm>
+            <a:off x="3851275" y="2457450"/>
+            <a:ext cx="1333500" cy="1511300"/>
+          </a:xfrm>
+          <a:prstGeom prst="rect">
+            <a:avLst/>
+          </a:prstGeom>
+        </p:spPr>
+      </p:pic>
+      <p:pic>
+        <p:nvPicPr>
+          <p:cNvPr id="29" name="Picture 28">
+            <a:extLst>
+              <a:ext uri="{FF2B5EF4-FFF2-40B4-BE49-F238E27FC236}">
+                <a16:creationId xmlns:a16="http://schemas.microsoft.com/office/drawing/2014/main" id="{447A454C-436B-FF40-B523-89ECAC104DCE}"/>
+              </a:ext>
+            </a:extLst>
+          </p:cNvPr>
+          <p:cNvPicPr>
+            <a:picLocks noChangeAspect="1"/>
+          </p:cNvPicPr>
+          <p:nvPr/>
+        </p:nvPicPr>
+        <p:blipFill>
+          <a:blip r:embed="rId14"/>
+          <a:stretch>
+            <a:fillRect/>
+          </a:stretch>
+        </p:blipFill>
+        <p:spPr>
+          <a:xfrm>
+            <a:off x="3823458" y="1572284"/>
+            <a:ext cx="1587500" cy="1270000"/>
+          </a:xfrm>
+          <a:prstGeom prst="rect">
+            <a:avLst/>
+          </a:prstGeom>
+        </p:spPr>
+      </p:pic>
+      <p:pic>
+        <p:nvPicPr>
+          <p:cNvPr id="31" name="Picture 30">
+            <a:extLst>
+              <a:ext uri="{FF2B5EF4-FFF2-40B4-BE49-F238E27FC236}">
+                <a16:creationId xmlns:a16="http://schemas.microsoft.com/office/drawing/2014/main" id="{5F3C41B9-78BD-504E-9F02-F42ED5210585}"/>
+              </a:ext>
+            </a:extLst>
+          </p:cNvPr>
+          <p:cNvPicPr>
+            <a:picLocks noChangeAspect="1"/>
+          </p:cNvPicPr>
+          <p:nvPr/>
+        </p:nvPicPr>
+        <p:blipFill>
+          <a:blip r:embed="rId15"/>
+          <a:stretch>
+            <a:fillRect/>
+          </a:stretch>
+        </p:blipFill>
+        <p:spPr>
+          <a:xfrm>
+            <a:off x="6318250" y="1079500"/>
+            <a:ext cx="1422400" cy="1422400"/>
+          </a:xfrm>
+          <a:prstGeom prst="rect">
+            <a:avLst/>
+          </a:prstGeom>
+        </p:spPr>
+      </p:pic>
+      <p:pic>
+        <p:nvPicPr>
+          <p:cNvPr id="33" name="Picture 32">
+            <a:extLst>
+              <a:ext uri="{FF2B5EF4-FFF2-40B4-BE49-F238E27FC236}">
+                <a16:creationId xmlns:a16="http://schemas.microsoft.com/office/drawing/2014/main" id="{E94891D0-B2EA-834A-ABBA-0A3D707E0628}"/>
+              </a:ext>
+            </a:extLst>
+          </p:cNvPr>
+          <p:cNvPicPr>
+            <a:picLocks noChangeAspect="1"/>
+          </p:cNvPicPr>
+          <p:nvPr/>
+        </p:nvPicPr>
+        <p:blipFill>
+          <a:blip r:embed="rId16"/>
+          <a:stretch>
+            <a:fillRect/>
+          </a:stretch>
+        </p:blipFill>
+        <p:spPr>
+          <a:xfrm>
+            <a:off x="2802851" y="1959562"/>
+            <a:ext cx="1422400" cy="1422400"/>
+          </a:xfrm>
+          <a:prstGeom prst="rect">
+            <a:avLst/>
+          </a:prstGeom>
+        </p:spPr>
+      </p:pic>
+      <p:pic>
+        <p:nvPicPr>
+          <p:cNvPr id="35" name="Picture 34">
+            <a:extLst>
+              <a:ext uri="{FF2B5EF4-FFF2-40B4-BE49-F238E27FC236}">
+                <a16:creationId xmlns:a16="http://schemas.microsoft.com/office/drawing/2014/main" id="{134DF78A-188D-7945-8279-F02B11AD59A4}"/>
               </a:ext>
             </a:extLst>
           </p:cNvPr>
@@ -3463,7 +3888,7 @@
         </p:blipFill>
         <p:spPr>
           <a:xfrm>
-            <a:off x="3565114" y="3401942"/>
+            <a:off x="5341863" y="1195737"/>
             <a:ext cx="1727200" cy="1727200"/>
           </a:xfrm>
           <a:prstGeom prst="rect">
@@ -3473,10 +3898,10 @@
       </p:pic>
       <p:pic>
         <p:nvPicPr>
-          <p:cNvPr id="11" name="Picture 10">
-            <a:extLst>
-              <a:ext uri="{FF2B5EF4-FFF2-40B4-BE49-F238E27FC236}">
-                <a16:creationId xmlns:a16="http://schemas.microsoft.com/office/drawing/2014/main" id="{C0D1DAEA-BBD2-B04B-BAA7-8630B0EF1899}"/>
+          <p:cNvPr id="36" name="Picture 35">
+            <a:extLst>
+              <a:ext uri="{FF2B5EF4-FFF2-40B4-BE49-F238E27FC236}">
+                <a16:creationId xmlns:a16="http://schemas.microsoft.com/office/drawing/2014/main" id="{BD752059-E01C-6241-B632-2D7879DB92BD}"/>
               </a:ext>
             </a:extLst>
           </p:cNvPr>
@@ -3493,8 +3918,8 @@
         </p:blipFill>
         <p:spPr>
           <a:xfrm>
-            <a:off x="6723616" y="3266108"/>
-            <a:ext cx="1498600" cy="1358900"/>
+            <a:off x="5256791" y="2800902"/>
+            <a:ext cx="1727200" cy="1727200"/>
           </a:xfrm>
           <a:prstGeom prst="rect">
             <a:avLst/>
@@ -3503,10 +3928,10 @@
       </p:pic>
       <p:pic>
         <p:nvPicPr>
-          <p:cNvPr id="13" name="Picture 12">
-            <a:extLst>
-              <a:ext uri="{FF2B5EF4-FFF2-40B4-BE49-F238E27FC236}">
-                <a16:creationId xmlns:a16="http://schemas.microsoft.com/office/drawing/2014/main" id="{DD0C170B-9859-F54A-B08D-8355FB471D3D}"/>
+          <p:cNvPr id="37" name="Picture 36">
+            <a:extLst>
+              <a:ext uri="{FF2B5EF4-FFF2-40B4-BE49-F238E27FC236}">
+                <a16:creationId xmlns:a16="http://schemas.microsoft.com/office/drawing/2014/main" id="{1F34D338-8B1C-BD4B-BDA4-7568385F951F}"/>
               </a:ext>
             </a:extLst>
           </p:cNvPr>
@@ -3523,8 +3948,8 @@
         </p:blipFill>
         <p:spPr>
           <a:xfrm>
-            <a:off x="4668356" y="3737112"/>
-            <a:ext cx="1422400" cy="1422400"/>
+            <a:off x="5264614" y="4715564"/>
+            <a:ext cx="1498600" cy="1358900"/>
           </a:xfrm>
           <a:prstGeom prst="rect">
             <a:avLst/>
@@ -3533,10 +3958,10 @@
       </p:pic>
       <p:pic>
         <p:nvPicPr>
-          <p:cNvPr id="15" name="Picture 14">
-            <a:extLst>
-              <a:ext uri="{FF2B5EF4-FFF2-40B4-BE49-F238E27FC236}">
-                <a16:creationId xmlns:a16="http://schemas.microsoft.com/office/drawing/2014/main" id="{C38B67A1-C7D8-244F-B474-1B24E0FDF746}"/>
+          <p:cNvPr id="38" name="Picture 37">
+            <a:extLst>
+              <a:ext uri="{FF2B5EF4-FFF2-40B4-BE49-F238E27FC236}">
+                <a16:creationId xmlns:a16="http://schemas.microsoft.com/office/drawing/2014/main" id="{E82C764F-8C7E-1B46-A0D2-255E03BBA1D0}"/>
               </a:ext>
             </a:extLst>
           </p:cNvPr>
@@ -3553,7 +3978,7 @@
         </p:blipFill>
         <p:spPr>
           <a:xfrm>
-            <a:off x="6510821" y="2221120"/>
+            <a:off x="7854881" y="1307528"/>
             <a:ext cx="1422400" cy="1422400"/>
           </a:xfrm>
           <a:prstGeom prst="rect">
@@ -3563,10 +3988,10 @@
       </p:pic>
       <p:pic>
         <p:nvPicPr>
-          <p:cNvPr id="17" name="Picture 16">
-            <a:extLst>
-              <a:ext uri="{FF2B5EF4-FFF2-40B4-BE49-F238E27FC236}">
-                <a16:creationId xmlns:a16="http://schemas.microsoft.com/office/drawing/2014/main" id="{9E4DC1CC-F786-954B-9310-BAB7AB5DDE01}"/>
+          <p:cNvPr id="39" name="Picture 38">
+            <a:extLst>
+              <a:ext uri="{FF2B5EF4-FFF2-40B4-BE49-F238E27FC236}">
+                <a16:creationId xmlns:a16="http://schemas.microsoft.com/office/drawing/2014/main" id="{7C3DF7D6-8261-E247-B79B-4DDD1C087560}"/>
               </a:ext>
             </a:extLst>
           </p:cNvPr>
@@ -3576,14 +4001,14 @@
           <p:nvPr/>
         </p:nvPicPr>
         <p:blipFill>
-          <a:blip r:embed="rId3"/>
+          <a:blip r:embed="rId2"/>
           <a:stretch>
             <a:fillRect/>
           </a:stretch>
         </p:blipFill>
         <p:spPr>
           <a:xfrm>
-            <a:off x="5718003" y="3912152"/>
+            <a:off x="7816669" y="4391833"/>
             <a:ext cx="1422400" cy="1422400"/>
           </a:xfrm>
           <a:prstGeom prst="rect">
@@ -3593,10 +4018,10 @@
       </p:pic>
       <p:pic>
         <p:nvPicPr>
-          <p:cNvPr id="19" name="Picture 18">
-            <a:extLst>
-              <a:ext uri="{FF2B5EF4-FFF2-40B4-BE49-F238E27FC236}">
-                <a16:creationId xmlns:a16="http://schemas.microsoft.com/office/drawing/2014/main" id="{9E9CEFB8-F3B0-9146-A7E1-F47AC46B7F56}"/>
+          <p:cNvPr id="41" name="Picture 40">
+            <a:extLst>
+              <a:ext uri="{FF2B5EF4-FFF2-40B4-BE49-F238E27FC236}">
+                <a16:creationId xmlns:a16="http://schemas.microsoft.com/office/drawing/2014/main" id="{185DE28F-2F6F-4A4E-9F2E-45F7C7659E8E}"/>
               </a:ext>
             </a:extLst>
           </p:cNvPr>
@@ -3613,7 +4038,7 @@
         </p:blipFill>
         <p:spPr>
           <a:xfrm>
-            <a:off x="4330528" y="3089275"/>
+            <a:off x="6657889" y="630305"/>
             <a:ext cx="1422400" cy="1422400"/>
           </a:xfrm>
           <a:prstGeom prst="rect">
@@ -3623,10 +4048,10 @@
       </p:pic>
       <p:pic>
         <p:nvPicPr>
-          <p:cNvPr id="21" name="Picture 20">
-            <a:extLst>
-              <a:ext uri="{FF2B5EF4-FFF2-40B4-BE49-F238E27FC236}">
-                <a16:creationId xmlns:a16="http://schemas.microsoft.com/office/drawing/2014/main" id="{B4FDC0AA-2A6D-2040-9D5C-10454FF2E08B}"/>
+          <p:cNvPr id="42" name="Picture 41">
+            <a:extLst>
+              <a:ext uri="{FF2B5EF4-FFF2-40B4-BE49-F238E27FC236}">
+                <a16:creationId xmlns:a16="http://schemas.microsoft.com/office/drawing/2014/main" id="{25CF0888-F083-9040-869C-DC078511CD0F}"/>
               </a:ext>
             </a:extLst>
           </p:cNvPr>
@@ -3643,7 +4068,7 @@
         </p:blipFill>
         <p:spPr>
           <a:xfrm>
-            <a:off x="6385788" y="3977031"/>
+            <a:off x="6657889" y="730597"/>
             <a:ext cx="1422400" cy="1422400"/>
           </a:xfrm>
           <a:prstGeom prst="rect">
@@ -3653,10 +4078,10 @@
       </p:pic>
       <p:pic>
         <p:nvPicPr>
-          <p:cNvPr id="23" name="Picture 22">
-            <a:extLst>
-              <a:ext uri="{FF2B5EF4-FFF2-40B4-BE49-F238E27FC236}">
-                <a16:creationId xmlns:a16="http://schemas.microsoft.com/office/drawing/2014/main" id="{9702F764-5DFC-A942-BC93-FB6C23F79808}"/>
+          <p:cNvPr id="43" name="Picture 42">
+            <a:extLst>
+              <a:ext uri="{FF2B5EF4-FFF2-40B4-BE49-F238E27FC236}">
+                <a16:creationId xmlns:a16="http://schemas.microsoft.com/office/drawing/2014/main" id="{70D3D166-8FBD-104F-9F91-665CF7C69C84}"/>
               </a:ext>
             </a:extLst>
           </p:cNvPr>
@@ -3673,7 +4098,7 @@
         </p:blipFill>
         <p:spPr>
           <a:xfrm>
-            <a:off x="4011061" y="2349500"/>
+            <a:off x="5845417" y="4729646"/>
             <a:ext cx="1866900" cy="1079500"/>
           </a:xfrm>
           <a:prstGeom prst="rect">
@@ -3683,10 +4108,10 @@
       </p:pic>
       <p:pic>
         <p:nvPicPr>
-          <p:cNvPr id="25" name="Picture 24">
-            <a:extLst>
-              <a:ext uri="{FF2B5EF4-FFF2-40B4-BE49-F238E27FC236}">
-                <a16:creationId xmlns:a16="http://schemas.microsoft.com/office/drawing/2014/main" id="{490E84AD-15E1-F944-B15A-842DA74F8FE7}"/>
+          <p:cNvPr id="44" name="Picture 43">
+            <a:extLst>
+              <a:ext uri="{FF2B5EF4-FFF2-40B4-BE49-F238E27FC236}">
+                <a16:creationId xmlns:a16="http://schemas.microsoft.com/office/drawing/2014/main" id="{CBDC70AA-A907-CD48-A3B5-F59DC0FD6B3A}"/>
               </a:ext>
             </a:extLst>
           </p:cNvPr>
@@ -3703,7 +4128,7 @@
         </p:blipFill>
         <p:spPr>
           <a:xfrm>
-            <a:off x="5193196" y="1009650"/>
+            <a:off x="2448381" y="2962484"/>
             <a:ext cx="1638300" cy="1231900"/>
           </a:xfrm>
           <a:prstGeom prst="rect">
@@ -3713,10 +4138,10 @@
       </p:pic>
       <p:pic>
         <p:nvPicPr>
-          <p:cNvPr id="27" name="Picture 26">
-            <a:extLst>
-              <a:ext uri="{FF2B5EF4-FFF2-40B4-BE49-F238E27FC236}">
-                <a16:creationId xmlns:a16="http://schemas.microsoft.com/office/drawing/2014/main" id="{A216AF53-6AAE-7547-BC8E-A45CE1CE9EB2}"/>
+          <p:cNvPr id="45" name="Picture 44">
+            <a:extLst>
+              <a:ext uri="{FF2B5EF4-FFF2-40B4-BE49-F238E27FC236}">
+                <a16:creationId xmlns:a16="http://schemas.microsoft.com/office/drawing/2014/main" id="{4C6B1755-7F5F-D64D-B757-87D05FEF8AFA}"/>
               </a:ext>
             </a:extLst>
           </p:cNvPr>
@@ -3733,7 +4158,7 @@
         </p:blipFill>
         <p:spPr>
           <a:xfrm>
-            <a:off x="3851275" y="2457450"/>
+            <a:off x="6716198" y="4507672"/>
             <a:ext cx="1333500" cy="1511300"/>
           </a:xfrm>
           <a:prstGeom prst="rect">
@@ -3743,10 +4168,10 @@
       </p:pic>
       <p:pic>
         <p:nvPicPr>
-          <p:cNvPr id="29" name="Picture 28">
-            <a:extLst>
-              <a:ext uri="{FF2B5EF4-FFF2-40B4-BE49-F238E27FC236}">
-                <a16:creationId xmlns:a16="http://schemas.microsoft.com/office/drawing/2014/main" id="{447A454C-436B-FF40-B523-89ECAC104DCE}"/>
+          <p:cNvPr id="46" name="Picture 45">
+            <a:extLst>
+              <a:ext uri="{FF2B5EF4-FFF2-40B4-BE49-F238E27FC236}">
+                <a16:creationId xmlns:a16="http://schemas.microsoft.com/office/drawing/2014/main" id="{4D99CC75-128E-E44B-87E9-EDB6A50D1D2B}"/>
               </a:ext>
             </a:extLst>
           </p:cNvPr>
@@ -3763,7 +4188,7 @@
         </p:blipFill>
         <p:spPr>
           <a:xfrm>
-            <a:off x="3902075" y="1336123"/>
+            <a:off x="8761112" y="2814135"/>
             <a:ext cx="1587500" cy="1270000"/>
           </a:xfrm>
           <a:prstGeom prst="rect">
@@ -3773,10 +4198,10 @@
       </p:pic>
       <p:pic>
         <p:nvPicPr>
-          <p:cNvPr id="31" name="Picture 30">
-            <a:extLst>
-              <a:ext uri="{FF2B5EF4-FFF2-40B4-BE49-F238E27FC236}">
-                <a16:creationId xmlns:a16="http://schemas.microsoft.com/office/drawing/2014/main" id="{5F3C41B9-78BD-504E-9F02-F42ED5210585}"/>
+          <p:cNvPr id="47" name="Picture 46">
+            <a:extLst>
+              <a:ext uri="{FF2B5EF4-FFF2-40B4-BE49-F238E27FC236}">
+                <a16:creationId xmlns:a16="http://schemas.microsoft.com/office/drawing/2014/main" id="{34D4F448-08F5-AE40-A909-AA0CC50732D7}"/>
               </a:ext>
             </a:extLst>
           </p:cNvPr>
@@ -3793,7 +4218,7 @@
         </p:blipFill>
         <p:spPr>
           <a:xfrm>
-            <a:off x="6318250" y="1079500"/>
+            <a:off x="2853914" y="4137162"/>
             <a:ext cx="1422400" cy="1422400"/>
           </a:xfrm>
           <a:prstGeom prst="rect">
@@ -3803,10 +4228,10 @@
       </p:pic>
       <p:pic>
         <p:nvPicPr>
-          <p:cNvPr id="33" name="Picture 32">
-            <a:extLst>
-              <a:ext uri="{FF2B5EF4-FFF2-40B4-BE49-F238E27FC236}">
-                <a16:creationId xmlns:a16="http://schemas.microsoft.com/office/drawing/2014/main" id="{E94891D0-B2EA-834A-ABBA-0A3D707E0628}"/>
+          <p:cNvPr id="48" name="Picture 47">
+            <a:extLst>
+              <a:ext uri="{FF2B5EF4-FFF2-40B4-BE49-F238E27FC236}">
+                <a16:creationId xmlns:a16="http://schemas.microsoft.com/office/drawing/2014/main" id="{CCEF9D62-256C-C34C-A5AB-F1AD7F7E2D3D}"/>
               </a:ext>
             </a:extLst>
           </p:cNvPr>
@@ -3823,7 +4248,7 @@
         </p:blipFill>
         <p:spPr>
           <a:xfrm>
-            <a:off x="3121025" y="2038350"/>
+            <a:off x="4618710" y="622855"/>
             <a:ext cx="1422400" cy="1422400"/>
           </a:xfrm>
           <a:prstGeom prst="rect">
@@ -3833,10 +4258,10 @@
       </p:pic>
       <p:pic>
         <p:nvPicPr>
-          <p:cNvPr id="35" name="Picture 34">
-            <a:extLst>
-              <a:ext uri="{FF2B5EF4-FFF2-40B4-BE49-F238E27FC236}">
-                <a16:creationId xmlns:a16="http://schemas.microsoft.com/office/drawing/2014/main" id="{134DF78A-188D-7945-8279-F02B11AD59A4}"/>
+          <p:cNvPr id="32" name="Picture 31">
+            <a:extLst>
+              <a:ext uri="{FF2B5EF4-FFF2-40B4-BE49-F238E27FC236}">
+                <a16:creationId xmlns:a16="http://schemas.microsoft.com/office/drawing/2014/main" id="{A448052E-8E53-A54C-98A1-D805C39CA7CE}"/>
               </a:ext>
             </a:extLst>
           </p:cNvPr>
@@ -3846,15 +4271,15 @@
           <p:nvPr/>
         </p:nvPicPr>
         <p:blipFill>
-          <a:blip r:embed="rId4"/>
+          <a:blip r:embed="rId14"/>
           <a:stretch>
             <a:fillRect/>
           </a:stretch>
         </p:blipFill>
         <p:spPr>
           <a:xfrm>
-            <a:off x="5327183" y="1022350"/>
-            <a:ext cx="1727200" cy="1727200"/>
+            <a:off x="1655061" y="2482850"/>
+            <a:ext cx="1587500" cy="1270000"/>
           </a:xfrm>
           <a:prstGeom prst="rect">
             <a:avLst/>
@@ -3863,10 +4288,10 @@
       </p:pic>
       <p:pic>
         <p:nvPicPr>
-          <p:cNvPr id="36" name="Picture 35">
-            <a:extLst>
-              <a:ext uri="{FF2B5EF4-FFF2-40B4-BE49-F238E27FC236}">
-                <a16:creationId xmlns:a16="http://schemas.microsoft.com/office/drawing/2014/main" id="{BD752059-E01C-6241-B632-2D7879DB92BD}"/>
+          <p:cNvPr id="49" name="Picture 48">
+            <a:extLst>
+              <a:ext uri="{FF2B5EF4-FFF2-40B4-BE49-F238E27FC236}">
+                <a16:creationId xmlns:a16="http://schemas.microsoft.com/office/drawing/2014/main" id="{CAA07EC6-4591-ED42-AD28-CE92A969279F}"/>
               </a:ext>
             </a:extLst>
           </p:cNvPr>
@@ -3876,15 +4301,15 @@
           <p:nvPr/>
         </p:nvPicPr>
         <p:blipFill>
-          <a:blip r:embed="rId5"/>
+          <a:blip r:embed="rId14"/>
           <a:stretch>
             <a:fillRect/>
           </a:stretch>
         </p:blipFill>
         <p:spPr>
           <a:xfrm>
-            <a:off x="6041110" y="3172240"/>
-            <a:ext cx="1727200" cy="1727200"/>
+            <a:off x="7417100" y="1610276"/>
+            <a:ext cx="1587500" cy="1270000"/>
           </a:xfrm>
           <a:prstGeom prst="rect">
             <a:avLst/>
@@ -3893,10 +4318,10 @@
       </p:pic>
       <p:pic>
         <p:nvPicPr>
-          <p:cNvPr id="37" name="Picture 36">
-            <a:extLst>
-              <a:ext uri="{FF2B5EF4-FFF2-40B4-BE49-F238E27FC236}">
-                <a16:creationId xmlns:a16="http://schemas.microsoft.com/office/drawing/2014/main" id="{1F34D338-8B1C-BD4B-BDA4-7568385F951F}"/>
+          <p:cNvPr id="50" name="Picture 49">
+            <a:extLst>
+              <a:ext uri="{FF2B5EF4-FFF2-40B4-BE49-F238E27FC236}">
+                <a16:creationId xmlns:a16="http://schemas.microsoft.com/office/drawing/2014/main" id="{4C5DB122-92DC-9C46-955D-8B58B73BCCC2}"/>
               </a:ext>
             </a:extLst>
           </p:cNvPr>
@@ -3913,8 +4338,8 @@
         </p:blipFill>
         <p:spPr>
           <a:xfrm>
-            <a:off x="5264614" y="4715564"/>
-            <a:ext cx="1498600" cy="1358900"/>
+            <a:off x="1620356" y="2708827"/>
+            <a:ext cx="1727200" cy="1727200"/>
           </a:xfrm>
           <a:prstGeom prst="rect">
             <a:avLst/>
@@ -3923,10 +4348,10 @@
       </p:pic>
       <p:pic>
         <p:nvPicPr>
-          <p:cNvPr id="38" name="Picture 37">
-            <a:extLst>
-              <a:ext uri="{FF2B5EF4-FFF2-40B4-BE49-F238E27FC236}">
-                <a16:creationId xmlns:a16="http://schemas.microsoft.com/office/drawing/2014/main" id="{E82C764F-8C7E-1B46-A0D2-255E03BBA1D0}"/>
+          <p:cNvPr id="51" name="Picture 50">
+            <a:extLst>
+              <a:ext uri="{FF2B5EF4-FFF2-40B4-BE49-F238E27FC236}">
+                <a16:creationId xmlns:a16="http://schemas.microsoft.com/office/drawing/2014/main" id="{855C9BCC-61D4-FF47-A33C-A1B2EA360D50}"/>
               </a:ext>
             </a:extLst>
           </p:cNvPr>
@@ -3936,15 +4361,15 @@
           <p:nvPr/>
         </p:nvPicPr>
         <p:blipFill>
-          <a:blip r:embed="rId7"/>
+          <a:blip r:embed="rId6"/>
           <a:stretch>
             <a:fillRect/>
           </a:stretch>
         </p:blipFill>
         <p:spPr>
           <a:xfrm>
-            <a:off x="2521269" y="754891"/>
-            <a:ext cx="1422400" cy="1422400"/>
+            <a:off x="7808188" y="2863710"/>
+            <a:ext cx="1727200" cy="1727200"/>
           </a:xfrm>
           <a:prstGeom prst="rect">
             <a:avLst/>
@@ -3953,10 +4378,10 @@
       </p:pic>
       <p:pic>
         <p:nvPicPr>
-          <p:cNvPr id="39" name="Picture 38">
-            <a:extLst>
-              <a:ext uri="{FF2B5EF4-FFF2-40B4-BE49-F238E27FC236}">
-                <a16:creationId xmlns:a16="http://schemas.microsoft.com/office/drawing/2014/main" id="{7C3DF7D6-8261-E247-B79B-4DDD1C087560}"/>
+          <p:cNvPr id="52" name="Picture 51">
+            <a:extLst>
+              <a:ext uri="{FF2B5EF4-FFF2-40B4-BE49-F238E27FC236}">
+                <a16:creationId xmlns:a16="http://schemas.microsoft.com/office/drawing/2014/main" id="{82BF43E7-3212-8745-9A7D-2E6B3583CA7D}"/>
               </a:ext>
             </a:extLst>
           </p:cNvPr>
@@ -3966,15 +4391,15 @@
           <p:nvPr/>
         </p:nvPicPr>
         <p:blipFill>
-          <a:blip r:embed="rId8"/>
+          <a:blip r:embed="rId11"/>
           <a:stretch>
             <a:fillRect/>
           </a:stretch>
         </p:blipFill>
         <p:spPr>
           <a:xfrm>
-            <a:off x="2541846" y="4662139"/>
-            <a:ext cx="1422400" cy="1422400"/>
+            <a:off x="2176150" y="1540927"/>
+            <a:ext cx="1866900" cy="1079500"/>
           </a:xfrm>
           <a:prstGeom prst="rect">
             <a:avLst/>
@@ -3983,10 +4408,10 @@
       </p:pic>
       <p:pic>
         <p:nvPicPr>
-          <p:cNvPr id="41" name="Picture 40">
-            <a:extLst>
-              <a:ext uri="{FF2B5EF4-FFF2-40B4-BE49-F238E27FC236}">
-                <a16:creationId xmlns:a16="http://schemas.microsoft.com/office/drawing/2014/main" id="{185DE28F-2F6F-4A4E-9F2E-45F7C7659E8E}"/>
+          <p:cNvPr id="53" name="Picture 52">
+            <a:extLst>
+              <a:ext uri="{FF2B5EF4-FFF2-40B4-BE49-F238E27FC236}">
+                <a16:creationId xmlns:a16="http://schemas.microsoft.com/office/drawing/2014/main" id="{02FDA017-517A-F54A-A82B-74C45543F624}"/>
               </a:ext>
             </a:extLst>
           </p:cNvPr>
@@ -3996,15 +4421,15 @@
           <p:nvPr/>
         </p:nvPicPr>
         <p:blipFill>
-          <a:blip r:embed="rId9"/>
+          <a:blip r:embed="rId11"/>
           <a:stretch>
             <a:fillRect/>
           </a:stretch>
         </p:blipFill>
         <p:spPr>
           <a:xfrm>
-            <a:off x="6657889" y="630305"/>
-            <a:ext cx="1422400" cy="1422400"/>
+            <a:off x="6674509" y="2841829"/>
+            <a:ext cx="1866900" cy="1079500"/>
           </a:xfrm>
           <a:prstGeom prst="rect">
             <a:avLst/>
@@ -4013,10 +4438,40 @@
       </p:pic>
       <p:pic>
         <p:nvPicPr>
-          <p:cNvPr id="42" name="Picture 41">
-            <a:extLst>
-              <a:ext uri="{FF2B5EF4-FFF2-40B4-BE49-F238E27FC236}">
-                <a16:creationId xmlns:a16="http://schemas.microsoft.com/office/drawing/2014/main" id="{25CF0888-F083-9040-869C-DC078511CD0F}"/>
+          <p:cNvPr id="54" name="Picture 53">
+            <a:extLst>
+              <a:ext uri="{FF2B5EF4-FFF2-40B4-BE49-F238E27FC236}">
+                <a16:creationId xmlns:a16="http://schemas.microsoft.com/office/drawing/2014/main" id="{6AFA9831-7AEF-5242-AD0A-7BE26039D1A5}"/>
+              </a:ext>
+            </a:extLst>
+          </p:cNvPr>
+          <p:cNvPicPr>
+            <a:picLocks noChangeAspect="1"/>
+          </p:cNvPicPr>
+          <p:nvPr/>
+        </p:nvPicPr>
+        <p:blipFill>
+          <a:blip r:embed="rId15"/>
+          <a:stretch>
+            <a:fillRect/>
+          </a:stretch>
+        </p:blipFill>
+        <p:spPr>
+          <a:xfrm>
+            <a:off x="7461959" y="3840922"/>
+            <a:ext cx="1422400" cy="1422400"/>
+          </a:xfrm>
+          <a:prstGeom prst="rect">
+            <a:avLst/>
+          </a:prstGeom>
+        </p:spPr>
+      </p:pic>
+      <p:pic>
+        <p:nvPicPr>
+          <p:cNvPr id="57" name="Picture 56">
+            <a:extLst>
+              <a:ext uri="{FF2B5EF4-FFF2-40B4-BE49-F238E27FC236}">
+                <a16:creationId xmlns:a16="http://schemas.microsoft.com/office/drawing/2014/main" id="{C4B43F7E-8FA5-8947-9D5F-7D70E3E4C2CF}"/>
               </a:ext>
             </a:extLst>
           </p:cNvPr>
@@ -4033,187 +4488,7 @@
         </p:blipFill>
         <p:spPr>
           <a:xfrm>
-            <a:off x="6657889" y="730597"/>
-            <a:ext cx="1422400" cy="1422400"/>
-          </a:xfrm>
-          <a:prstGeom prst="rect">
-            <a:avLst/>
-          </a:prstGeom>
-        </p:spPr>
-      </p:pic>
-      <p:pic>
-        <p:nvPicPr>
-          <p:cNvPr id="43" name="Picture 42">
-            <a:extLst>
-              <a:ext uri="{FF2B5EF4-FFF2-40B4-BE49-F238E27FC236}">
-                <a16:creationId xmlns:a16="http://schemas.microsoft.com/office/drawing/2014/main" id="{70D3D166-8FBD-104F-9F91-665CF7C69C84}"/>
-              </a:ext>
-            </a:extLst>
-          </p:cNvPr>
-          <p:cNvPicPr>
-            <a:picLocks noChangeAspect="1"/>
-          </p:cNvPicPr>
-          <p:nvPr/>
-        </p:nvPicPr>
-        <p:blipFill>
-          <a:blip r:embed="rId11"/>
-          <a:stretch>
-            <a:fillRect/>
-          </a:stretch>
-        </p:blipFill>
-        <p:spPr>
-          <a:xfrm>
-            <a:off x="5845417" y="4729646"/>
-            <a:ext cx="1866900" cy="1079500"/>
-          </a:xfrm>
-          <a:prstGeom prst="rect">
-            <a:avLst/>
-          </a:prstGeom>
-        </p:spPr>
-      </p:pic>
-      <p:pic>
-        <p:nvPicPr>
-          <p:cNvPr id="44" name="Picture 43">
-            <a:extLst>
-              <a:ext uri="{FF2B5EF4-FFF2-40B4-BE49-F238E27FC236}">
-                <a16:creationId xmlns:a16="http://schemas.microsoft.com/office/drawing/2014/main" id="{CBDC70AA-A907-CD48-A3B5-F59DC0FD6B3A}"/>
-              </a:ext>
-            </a:extLst>
-          </p:cNvPr>
-          <p:cNvPicPr>
-            <a:picLocks noChangeAspect="1"/>
-          </p:cNvPicPr>
-          <p:nvPr/>
-        </p:nvPicPr>
-        <p:blipFill>
-          <a:blip r:embed="rId12"/>
-          <a:stretch>
-            <a:fillRect/>
-          </a:stretch>
-        </p:blipFill>
-        <p:spPr>
-          <a:xfrm>
-            <a:off x="2488165" y="2936047"/>
-            <a:ext cx="1638300" cy="1231900"/>
-          </a:xfrm>
-          <a:prstGeom prst="rect">
-            <a:avLst/>
-          </a:prstGeom>
-        </p:spPr>
-      </p:pic>
-      <p:pic>
-        <p:nvPicPr>
-          <p:cNvPr id="45" name="Picture 44">
-            <a:extLst>
-              <a:ext uri="{FF2B5EF4-FFF2-40B4-BE49-F238E27FC236}">
-                <a16:creationId xmlns:a16="http://schemas.microsoft.com/office/drawing/2014/main" id="{4C6B1755-7F5F-D64D-B757-87D05FEF8AFA}"/>
-              </a:ext>
-            </a:extLst>
-          </p:cNvPr>
-          <p:cNvPicPr>
-            <a:picLocks noChangeAspect="1"/>
-          </p:cNvPicPr>
-          <p:nvPr/>
-        </p:nvPicPr>
-        <p:blipFill>
-          <a:blip r:embed="rId13"/>
-          <a:stretch>
-            <a:fillRect/>
-          </a:stretch>
-        </p:blipFill>
-        <p:spPr>
-          <a:xfrm>
-            <a:off x="6583174" y="4653718"/>
-            <a:ext cx="1333500" cy="1511300"/>
-          </a:xfrm>
-          <a:prstGeom prst="rect">
-            <a:avLst/>
-          </a:prstGeom>
-        </p:spPr>
-      </p:pic>
-      <p:pic>
-        <p:nvPicPr>
-          <p:cNvPr id="46" name="Picture 45">
-            <a:extLst>
-              <a:ext uri="{FF2B5EF4-FFF2-40B4-BE49-F238E27FC236}">
-                <a16:creationId xmlns:a16="http://schemas.microsoft.com/office/drawing/2014/main" id="{4D99CC75-128E-E44B-87E9-EDB6A50D1D2B}"/>
-              </a:ext>
-            </a:extLst>
-          </p:cNvPr>
-          <p:cNvPicPr>
-            <a:picLocks noChangeAspect="1"/>
-          </p:cNvPicPr>
-          <p:nvPr/>
-        </p:nvPicPr>
-        <p:blipFill>
-          <a:blip r:embed="rId14"/>
-          <a:stretch>
-            <a:fillRect/>
-          </a:stretch>
-        </p:blipFill>
-        <p:spPr>
-          <a:xfrm>
-            <a:off x="6630385" y="4243731"/>
-            <a:ext cx="1587500" cy="1270000"/>
-          </a:xfrm>
-          <a:prstGeom prst="rect">
-            <a:avLst/>
-          </a:prstGeom>
-        </p:spPr>
-      </p:pic>
-      <p:pic>
-        <p:nvPicPr>
-          <p:cNvPr id="47" name="Picture 46">
-            <a:extLst>
-              <a:ext uri="{FF2B5EF4-FFF2-40B4-BE49-F238E27FC236}">
-                <a16:creationId xmlns:a16="http://schemas.microsoft.com/office/drawing/2014/main" id="{34D4F448-08F5-AE40-A909-AA0CC50732D7}"/>
-              </a:ext>
-            </a:extLst>
-          </p:cNvPr>
-          <p:cNvPicPr>
-            <a:picLocks noChangeAspect="1"/>
-          </p:cNvPicPr>
-          <p:nvPr/>
-        </p:nvPicPr>
-        <p:blipFill>
-          <a:blip r:embed="rId15"/>
-          <a:stretch>
-            <a:fillRect/>
-          </a:stretch>
-        </p:blipFill>
-        <p:spPr>
-          <a:xfrm>
-            <a:off x="2853914" y="4137162"/>
-            <a:ext cx="1422400" cy="1422400"/>
-          </a:xfrm>
-          <a:prstGeom prst="rect">
-            <a:avLst/>
-          </a:prstGeom>
-        </p:spPr>
-      </p:pic>
-      <p:pic>
-        <p:nvPicPr>
-          <p:cNvPr id="48" name="Picture 47">
-            <a:extLst>
-              <a:ext uri="{FF2B5EF4-FFF2-40B4-BE49-F238E27FC236}">
-                <a16:creationId xmlns:a16="http://schemas.microsoft.com/office/drawing/2014/main" id="{CCEF9D62-256C-C34C-A5AB-F1AD7F7E2D3D}"/>
-              </a:ext>
-            </a:extLst>
-          </p:cNvPr>
-          <p:cNvPicPr>
-            <a:picLocks noChangeAspect="1"/>
-          </p:cNvPicPr>
-          <p:nvPr/>
-        </p:nvPicPr>
-        <p:blipFill>
-          <a:blip r:embed="rId16"/>
-          <a:stretch>
-            <a:fillRect/>
-          </a:stretch>
-        </p:blipFill>
-        <p:spPr>
-          <a:xfrm>
-            <a:off x="4618710" y="622855"/>
+            <a:off x="8611251" y="3554342"/>
             <a:ext cx="1422400" cy="1422400"/>
           </a:xfrm>
           <a:prstGeom prst="rect">
